--- a/presentations/Presentation4.pptx
+++ b/presentations/Presentation4.pptx
@@ -16,8 +16,6 @@
     <p:sldId id="278" r:id="rId10"/>
     <p:sldId id="277" r:id="rId11"/>
     <p:sldId id="280" r:id="rId12"/>
-    <p:sldId id="279" r:id="rId13"/>
-    <p:sldId id="261" r:id="rId14"/>
   </p:sldIdLst>
   <p:sldSz cx="12192000" cy="6858000"/>
   <p:notesSz cx="6858000" cy="9144000"/>
@@ -273,7 +271,7 @@
           <a:p>
             <a:fld id="{5B61933E-BB33-4A2D-8EC4-2D7CB125E3AE}" type="datetimeFigureOut">
               <a:rPr lang="de-CH" smtClean="0"/>
-              <a:t>09.09.2023</a:t>
+              <a:t>26.09.2023</a:t>
             </a:fld>
             <a:endParaRPr lang="de-CH"/>
           </a:p>
@@ -473,7 +471,7 @@
           <a:p>
             <a:fld id="{5B61933E-BB33-4A2D-8EC4-2D7CB125E3AE}" type="datetimeFigureOut">
               <a:rPr lang="de-CH" smtClean="0"/>
-              <a:t>09.09.2023</a:t>
+              <a:t>26.09.2023</a:t>
             </a:fld>
             <a:endParaRPr lang="de-CH"/>
           </a:p>
@@ -683,7 +681,7 @@
           <a:p>
             <a:fld id="{5B61933E-BB33-4A2D-8EC4-2D7CB125E3AE}" type="datetimeFigureOut">
               <a:rPr lang="de-CH" smtClean="0"/>
-              <a:t>09.09.2023</a:t>
+              <a:t>26.09.2023</a:t>
             </a:fld>
             <a:endParaRPr lang="de-CH"/>
           </a:p>
@@ -883,7 +881,7 @@
           <a:p>
             <a:fld id="{5B61933E-BB33-4A2D-8EC4-2D7CB125E3AE}" type="datetimeFigureOut">
               <a:rPr lang="de-CH" smtClean="0"/>
-              <a:t>09.09.2023</a:t>
+              <a:t>26.09.2023</a:t>
             </a:fld>
             <a:endParaRPr lang="de-CH"/>
           </a:p>
@@ -1159,7 +1157,7 @@
           <a:p>
             <a:fld id="{5B61933E-BB33-4A2D-8EC4-2D7CB125E3AE}" type="datetimeFigureOut">
               <a:rPr lang="de-CH" smtClean="0"/>
-              <a:t>09.09.2023</a:t>
+              <a:t>26.09.2023</a:t>
             </a:fld>
             <a:endParaRPr lang="de-CH"/>
           </a:p>
@@ -1427,7 +1425,7 @@
           <a:p>
             <a:fld id="{5B61933E-BB33-4A2D-8EC4-2D7CB125E3AE}" type="datetimeFigureOut">
               <a:rPr lang="de-CH" smtClean="0"/>
-              <a:t>09.09.2023</a:t>
+              <a:t>26.09.2023</a:t>
             </a:fld>
             <a:endParaRPr lang="de-CH"/>
           </a:p>
@@ -1842,7 +1840,7 @@
           <a:p>
             <a:fld id="{5B61933E-BB33-4A2D-8EC4-2D7CB125E3AE}" type="datetimeFigureOut">
               <a:rPr lang="de-CH" smtClean="0"/>
-              <a:t>09.09.2023</a:t>
+              <a:t>26.09.2023</a:t>
             </a:fld>
             <a:endParaRPr lang="de-CH"/>
           </a:p>
@@ -1984,7 +1982,7 @@
           <a:p>
             <a:fld id="{5B61933E-BB33-4A2D-8EC4-2D7CB125E3AE}" type="datetimeFigureOut">
               <a:rPr lang="de-CH" smtClean="0"/>
-              <a:t>09.09.2023</a:t>
+              <a:t>26.09.2023</a:t>
             </a:fld>
             <a:endParaRPr lang="de-CH"/>
           </a:p>
@@ -2097,7 +2095,7 @@
           <a:p>
             <a:fld id="{5B61933E-BB33-4A2D-8EC4-2D7CB125E3AE}" type="datetimeFigureOut">
               <a:rPr lang="de-CH" smtClean="0"/>
-              <a:t>09.09.2023</a:t>
+              <a:t>26.09.2023</a:t>
             </a:fld>
             <a:endParaRPr lang="de-CH"/>
           </a:p>
@@ -2410,7 +2408,7 @@
           <a:p>
             <a:fld id="{5B61933E-BB33-4A2D-8EC4-2D7CB125E3AE}" type="datetimeFigureOut">
               <a:rPr lang="de-CH" smtClean="0"/>
-              <a:t>09.09.2023</a:t>
+              <a:t>26.09.2023</a:t>
             </a:fld>
             <a:endParaRPr lang="de-CH"/>
           </a:p>
@@ -2699,7 +2697,7 @@
           <a:p>
             <a:fld id="{5B61933E-BB33-4A2D-8EC4-2D7CB125E3AE}" type="datetimeFigureOut">
               <a:rPr lang="de-CH" smtClean="0"/>
-              <a:t>09.09.2023</a:t>
+              <a:t>26.09.2023</a:t>
             </a:fld>
             <a:endParaRPr lang="de-CH"/>
           </a:p>
@@ -2942,7 +2940,7 @@
           <a:p>
             <a:fld id="{5B61933E-BB33-4A2D-8EC4-2D7CB125E3AE}" type="datetimeFigureOut">
               <a:rPr lang="de-CH" smtClean="0"/>
-              <a:t>09.09.2023</a:t>
+              <a:t>26.09.2023</a:t>
             </a:fld>
             <a:endParaRPr lang="de-CH"/>
           </a:p>
@@ -3825,146 +3823,6 @@
 </p:sld>
 </file>
 
-<file path=ppt/slides/slide12.xml><?xml version="1.0" encoding="utf-8"?>
-<p:sld xmlns:a="http://schemas.openxmlformats.org/drawingml/2006/main" xmlns:r="http://schemas.openxmlformats.org/officeDocument/2006/relationships" xmlns:p="http://schemas.openxmlformats.org/presentationml/2006/main">
-  <p:cSld>
-    <p:spTree>
-      <p:nvGrpSpPr>
-        <p:cNvPr id="1" name=""/>
-        <p:cNvGrpSpPr/>
-        <p:nvPr/>
-      </p:nvGrpSpPr>
-      <p:grpSpPr>
-        <a:xfrm>
-          <a:off x="0" y="0"/>
-          <a:ext cx="0" cy="0"/>
-          <a:chOff x="0" y="0"/>
-          <a:chExt cx="0" cy="0"/>
-        </a:xfrm>
-      </p:grpSpPr>
-    </p:spTree>
-    <p:extLst>
-      <p:ext uri="{BB962C8B-B14F-4D97-AF65-F5344CB8AC3E}">
-        <p14:creationId xmlns:p14="http://schemas.microsoft.com/office/powerpoint/2010/main" val="461453980"/>
-      </p:ext>
-    </p:extLst>
-  </p:cSld>
-  <p:clrMapOvr>
-    <a:masterClrMapping/>
-  </p:clrMapOvr>
-</p:sld>
-</file>
-
-<file path=ppt/slides/slide13.xml><?xml version="1.0" encoding="utf-8"?>
-<p:sld xmlns:a="http://schemas.openxmlformats.org/drawingml/2006/main" xmlns:r="http://schemas.openxmlformats.org/officeDocument/2006/relationships" xmlns:p="http://schemas.openxmlformats.org/presentationml/2006/main">
-  <p:cSld>
-    <p:spTree>
-      <p:nvGrpSpPr>
-        <p:cNvPr id="1" name=""/>
-        <p:cNvGrpSpPr/>
-        <p:nvPr/>
-      </p:nvGrpSpPr>
-      <p:grpSpPr>
-        <a:xfrm>
-          <a:off x="0" y="0"/>
-          <a:ext cx="0" cy="0"/>
-          <a:chOff x="0" y="0"/>
-          <a:chExt cx="0" cy="0"/>
-        </a:xfrm>
-      </p:grpSpPr>
-      <p:sp>
-        <p:nvSpPr>
-          <p:cNvPr id="2" name="Title 1">
-            <a:extLst>
-              <a:ext uri="{FF2B5EF4-FFF2-40B4-BE49-F238E27FC236}">
-                <a16:creationId xmlns:a16="http://schemas.microsoft.com/office/drawing/2014/main" id="{EBF5570F-5147-0F90-1281-B30227655B84}"/>
-              </a:ext>
-            </a:extLst>
-          </p:cNvPr>
-          <p:cNvSpPr>
-            <a:spLocks noGrp="1"/>
-          </p:cNvSpPr>
-          <p:nvPr>
-            <p:ph type="title"/>
-          </p:nvPr>
-        </p:nvSpPr>
-        <p:spPr/>
-        <p:txBody>
-          <a:bodyPr/>
-          <a:lstStyle/>
-          <a:p>
-            <a:r>
-              <a:rPr lang="de-CH" dirty="0" err="1"/>
-              <a:t>Metrics</a:t>
-            </a:r>
-            <a:r>
-              <a:rPr lang="de-CH" dirty="0"/>
-              <a:t> on </a:t>
-            </a:r>
-            <a:r>
-              <a:rPr lang="de-CH" dirty="0" err="1"/>
-              <a:t>tested</a:t>
-            </a:r>
-            <a:r>
-              <a:rPr lang="de-CH" dirty="0"/>
-              <a:t> </a:t>
-            </a:r>
-            <a:r>
-              <a:rPr lang="de-CH" dirty="0" err="1"/>
-              <a:t>concentrations</a:t>
-            </a:r>
-            <a:endParaRPr lang="de-CH" dirty="0"/>
-          </a:p>
-        </p:txBody>
-      </p:sp>
-      <p:pic>
-        <p:nvPicPr>
-          <p:cNvPr id="5" name="Content Placeholder 4" descr="A graph of different colored lines&#10;&#10;Description automatically generated with medium confidence">
-            <a:extLst>
-              <a:ext uri="{FF2B5EF4-FFF2-40B4-BE49-F238E27FC236}">
-                <a16:creationId xmlns:a16="http://schemas.microsoft.com/office/drawing/2014/main" id="{DF100D0A-011D-55BD-6E6A-51632A51D5A4}"/>
-              </a:ext>
-            </a:extLst>
-          </p:cNvPr>
-          <p:cNvPicPr>
-            <a:picLocks noGrp="1" noChangeAspect="1"/>
-          </p:cNvPicPr>
-          <p:nvPr>
-            <p:ph idx="1"/>
-          </p:nvPr>
-        </p:nvPicPr>
-        <p:blipFill>
-          <a:blip r:embed="rId2">
-            <a:extLst>
-              <a:ext uri="{28A0092B-C50C-407E-A947-70E740481C1C}">
-                <a14:useLocalDpi xmlns:a14="http://schemas.microsoft.com/office/drawing/2010/main" val="0"/>
-              </a:ext>
-            </a:extLst>
-          </a:blip>
-          <a:stretch>
-            <a:fillRect/>
-          </a:stretch>
-        </p:blipFill>
-        <p:spPr>
-          <a:xfrm>
-            <a:off x="838200" y="2364501"/>
-            <a:ext cx="10825065" cy="2630354"/>
-          </a:xfrm>
-        </p:spPr>
-      </p:pic>
-    </p:spTree>
-    <p:extLst>
-      <p:ext uri="{BB962C8B-B14F-4D97-AF65-F5344CB8AC3E}">
-        <p14:creationId xmlns:p14="http://schemas.microsoft.com/office/powerpoint/2010/main" val="599821237"/>
-      </p:ext>
-    </p:extLst>
-  </p:cSld>
-  <p:clrMapOvr>
-    <a:masterClrMapping/>
-  </p:clrMapOvr>
-</p:sld>
-</file>
-
 <file path=ppt/slides/slide2.xml><?xml version="1.0" encoding="utf-8"?>
 <p:sld xmlns:a="http://schemas.openxmlformats.org/drawingml/2006/main" xmlns:r="http://schemas.openxmlformats.org/officeDocument/2006/relationships" xmlns:p="http://schemas.openxmlformats.org/presentationml/2006/main">
   <p:cSld>
